--- a/output/notWellKnown/I-am-Not-Alone.pptx
+++ b/output/notWellKnown/I-am-Not-Alone.pptx
@@ -3863,7 +3863,7 @@
             </a:r>
             <a:br/>
             <a:r>
-              <a:t>I know that You will be with me </a:t>
+              <a:t>I know that You will be with me</a:t>
             </a:r>
             <a:br/>
             <a:r>
@@ -3871,7 +3871,7 @@
             </a:r>
             <a:br/>
             <a:r>
-              <a:t>I will not be overcome  </a:t>
+              <a:t>I will not be overcome</a:t>
             </a:r>
             <a:br/>
             <a:r>
@@ -3974,7 +3974,7 @@
             </a:r>
             <a:br/>
             <a:r>
-              <a:t>I am not alone </a:t>
+              <a:t>I am not alone</a:t>
             </a:r>
             <a:br/>
             <a:r>
